--- a/presentations/3MF_Volumetric_2024_06_implicit.pptx
+++ b/presentations/3MF_Volumetric_2024_06_implicit.pptx
@@ -5,7 +5,7 @@
     <p:sldMasterId id="2147483660" r:id="rId4"/>
   </p:sldMasterIdLst>
   <p:notesMasterIdLst>
-    <p:notesMasterId r:id="rId12"/>
+    <p:notesMasterId r:id="rId14"/>
   </p:notesMasterIdLst>
   <p:sldIdLst>
     <p:sldId id="257" r:id="rId5"/>
@@ -15,6 +15,8 @@
     <p:sldId id="404" r:id="rId9"/>
     <p:sldId id="402" r:id="rId10"/>
     <p:sldId id="403" r:id="rId11"/>
+    <p:sldId id="405" r:id="rId12"/>
+    <p:sldId id="406" r:id="rId13"/>
   </p:sldIdLst>
   <p:sldSz cx="12192000" cy="6858000"/>
   <p:notesSz cx="6858000" cy="9144000"/>
@@ -129,6 +131,8 @@
           <p14:sldIdLst>
             <p14:sldId id="402"/>
             <p14:sldId id="403"/>
+            <p14:sldId id="405"/>
+            <p14:sldId id="406"/>
           </p14:sldIdLst>
         </p14:section>
       </p14:sectionLst>
@@ -237,7 +241,7 @@
           <a:p>
             <a:fld id="{2869D208-B759-4B6C-8C1C-4F5CEE86E950}" type="datetimeFigureOut">
               <a:rPr lang="en-US" smtClean="0"/>
-              <a:t>6/10/2024</a:t>
+              <a:t>6/12/2024</a:t>
             </a:fld>
             <a:endParaRPr lang="en-US"/>
           </a:p>
@@ -799,7 +803,7 @@
           <a:p>
             <a:fld id="{846CE7D5-CF57-46EF-B807-FDD0502418D4}" type="datetimeFigureOut">
               <a:rPr lang="en-US" smtClean="0"/>
-              <a:t>6/10/2024</a:t>
+              <a:t>6/12/2024</a:t>
             </a:fld>
             <a:endParaRPr lang="en-US"/>
           </a:p>
@@ -967,7 +971,7 @@
           <a:p>
             <a:fld id="{846CE7D5-CF57-46EF-B807-FDD0502418D4}" type="datetimeFigureOut">
               <a:rPr lang="en-US" smtClean="0"/>
-              <a:t>6/10/2024</a:t>
+              <a:t>6/12/2024</a:t>
             </a:fld>
             <a:endParaRPr lang="en-US"/>
           </a:p>
@@ -1145,7 +1149,7 @@
           <a:p>
             <a:fld id="{846CE7D5-CF57-46EF-B807-FDD0502418D4}" type="datetimeFigureOut">
               <a:rPr lang="en-US" smtClean="0"/>
-              <a:t>6/10/2024</a:t>
+              <a:t>6/12/2024</a:t>
             </a:fld>
             <a:endParaRPr lang="en-US"/>
           </a:p>
@@ -1313,7 +1317,7 @@
           <a:p>
             <a:fld id="{846CE7D5-CF57-46EF-B807-FDD0502418D4}" type="datetimeFigureOut">
               <a:rPr lang="en-US" smtClean="0"/>
-              <a:t>6/10/2024</a:t>
+              <a:t>6/12/2024</a:t>
             </a:fld>
             <a:endParaRPr lang="en-US"/>
           </a:p>
@@ -1558,7 +1562,7 @@
           <a:p>
             <a:fld id="{846CE7D5-CF57-46EF-B807-FDD0502418D4}" type="datetimeFigureOut">
               <a:rPr lang="en-US" smtClean="0"/>
-              <a:t>6/10/2024</a:t>
+              <a:t>6/12/2024</a:t>
             </a:fld>
             <a:endParaRPr lang="en-US"/>
           </a:p>
@@ -1787,7 +1791,7 @@
           <a:p>
             <a:fld id="{846CE7D5-CF57-46EF-B807-FDD0502418D4}" type="datetimeFigureOut">
               <a:rPr lang="en-US" smtClean="0"/>
-              <a:t>6/10/2024</a:t>
+              <a:t>6/12/2024</a:t>
             </a:fld>
             <a:endParaRPr lang="en-US"/>
           </a:p>
@@ -2151,7 +2155,7 @@
           <a:p>
             <a:fld id="{846CE7D5-CF57-46EF-B807-FDD0502418D4}" type="datetimeFigureOut">
               <a:rPr lang="en-US" smtClean="0"/>
-              <a:t>6/10/2024</a:t>
+              <a:t>6/12/2024</a:t>
             </a:fld>
             <a:endParaRPr lang="en-US"/>
           </a:p>
@@ -2268,7 +2272,7 @@
           <a:p>
             <a:fld id="{846CE7D5-CF57-46EF-B807-FDD0502418D4}" type="datetimeFigureOut">
               <a:rPr lang="en-US" smtClean="0"/>
-              <a:t>6/10/2024</a:t>
+              <a:t>6/12/2024</a:t>
             </a:fld>
             <a:endParaRPr lang="en-US"/>
           </a:p>
@@ -2363,7 +2367,7 @@
           <a:p>
             <a:fld id="{846CE7D5-CF57-46EF-B807-FDD0502418D4}" type="datetimeFigureOut">
               <a:rPr lang="en-US" smtClean="0"/>
-              <a:t>6/10/2024</a:t>
+              <a:t>6/12/2024</a:t>
             </a:fld>
             <a:endParaRPr lang="en-US"/>
           </a:p>
@@ -2638,7 +2642,7 @@
           <a:p>
             <a:fld id="{846CE7D5-CF57-46EF-B807-FDD0502418D4}" type="datetimeFigureOut">
               <a:rPr lang="en-US" smtClean="0"/>
-              <a:t>6/10/2024</a:t>
+              <a:t>6/12/2024</a:t>
             </a:fld>
             <a:endParaRPr lang="en-US"/>
           </a:p>
@@ -2893,7 +2897,7 @@
           <a:p>
             <a:fld id="{846CE7D5-CF57-46EF-B807-FDD0502418D4}" type="datetimeFigureOut">
               <a:rPr lang="en-US" smtClean="0"/>
-              <a:t>6/10/2024</a:t>
+              <a:t>6/12/2024</a:t>
             </a:fld>
             <a:endParaRPr lang="en-US"/>
           </a:p>
@@ -3104,7 +3108,7 @@
           <a:p>
             <a:fld id="{846CE7D5-CF57-46EF-B807-FDD0502418D4}" type="datetimeFigureOut">
               <a:rPr lang="en-US" smtClean="0"/>
-              <a:t>6/10/2024</a:t>
+              <a:t>6/12/2024</a:t>
             </a:fld>
             <a:endParaRPr lang="en-US"/>
           </a:p>
@@ -6344,6 +6348,342 @@
     <p:extLst>
       <p:ext uri="{BB962C8B-B14F-4D97-AF65-F5344CB8AC3E}">
         <p14:creationId xmlns:p14="http://schemas.microsoft.com/office/powerpoint/2010/main" val="540271368"/>
+      </p:ext>
+    </p:extLst>
+  </p:cSld>
+  <p:clrMapOvr>
+    <a:masterClrMapping/>
+  </p:clrMapOvr>
+</p:sld>
+</file>
+
+<file path=ppt/slides/slide8.xml><?xml version="1.0" encoding="utf-8"?>
+<p:sld xmlns:a="http://schemas.openxmlformats.org/drawingml/2006/main" xmlns:r="http://schemas.openxmlformats.org/officeDocument/2006/relationships" xmlns:p="http://schemas.openxmlformats.org/presentationml/2006/main">
+  <p:cSld>
+    <p:spTree>
+      <p:nvGrpSpPr>
+        <p:cNvPr id="1" name=""/>
+        <p:cNvGrpSpPr/>
+        <p:nvPr/>
+      </p:nvGrpSpPr>
+      <p:grpSpPr>
+        <a:xfrm>
+          <a:off x="0" y="0"/>
+          <a:ext cx="0" cy="0"/>
+          <a:chOff x="0" y="0"/>
+          <a:chExt cx="0" cy="0"/>
+        </a:xfrm>
+      </p:grpSpPr>
+      <p:sp>
+        <p:nvSpPr>
+          <p:cNvPr id="2" name="Title 1">
+            <a:extLst>
+              <a:ext uri="{FF2B5EF4-FFF2-40B4-BE49-F238E27FC236}">
+                <a16:creationId xmlns:a16="http://schemas.microsoft.com/office/drawing/2014/main" id="{D64C4FD2-501B-C4DC-96E5-6FEE04148DF3}"/>
+              </a:ext>
+            </a:extLst>
+          </p:cNvPr>
+          <p:cNvSpPr>
+            <a:spLocks noGrp="1"/>
+          </p:cNvSpPr>
+          <p:nvPr>
+            <p:ph type="title"/>
+          </p:nvPr>
+        </p:nvSpPr>
+        <p:spPr/>
+        <p:txBody>
+          <a:bodyPr/>
+          <a:lstStyle/>
+          <a:p>
+            <a:r>
+              <a:rPr lang="en-US" dirty="0"/>
+              <a:t>How to get an Evaluator</a:t>
+            </a:r>
+          </a:p>
+        </p:txBody>
+      </p:sp>
+      <p:sp>
+        <p:nvSpPr>
+          <p:cNvPr id="3" name="Content Placeholder 2">
+            <a:extLst>
+              <a:ext uri="{FF2B5EF4-FFF2-40B4-BE49-F238E27FC236}">
+                <a16:creationId xmlns:a16="http://schemas.microsoft.com/office/drawing/2014/main" id="{733289BA-E342-08DF-9C04-1E2507E95200}"/>
+              </a:ext>
+            </a:extLst>
+          </p:cNvPr>
+          <p:cNvSpPr>
+            <a:spLocks noGrp="1"/>
+          </p:cNvSpPr>
+          <p:nvPr>
+            <p:ph idx="1"/>
+          </p:nvPr>
+        </p:nvSpPr>
+        <p:spPr/>
+        <p:txBody>
+          <a:bodyPr>
+            <a:normAutofit lnSpcReduction="10000"/>
+          </a:bodyPr>
+          <a:lstStyle/>
+          <a:p>
+            <a:r>
+              <a:rPr lang="en-US" dirty="0"/>
+              <a:t>Separate lib that uses lib3mf</a:t>
+            </a:r>
+          </a:p>
+          <a:p>
+            <a:pPr lvl="1"/>
+            <a:r>
+              <a:rPr lang="en-US" dirty="0"/>
+              <a:t>Maybe integrated inside lib3mf</a:t>
+            </a:r>
+          </a:p>
+          <a:p>
+            <a:r>
+              <a:rPr lang="en-US" dirty="0"/>
+              <a:t>Parse Graph</a:t>
+            </a:r>
+          </a:p>
+          <a:p>
+            <a:r>
+              <a:rPr lang="en-US" dirty="0"/>
+              <a:t>(</a:t>
+            </a:r>
+            <a:r>
+              <a:rPr lang="en-US" dirty="0" err="1"/>
+              <a:t>x,y,z</a:t>
+            </a:r>
+            <a:r>
+              <a:rPr lang="en-US" dirty="0"/>
+              <a:t>) -&gt; field value</a:t>
+            </a:r>
+          </a:p>
+          <a:p>
+            <a:pPr lvl="1"/>
+            <a:r>
+              <a:rPr lang="en-US" dirty="0"/>
+              <a:t>Object tree</a:t>
+            </a:r>
+          </a:p>
+          <a:p>
+            <a:pPr lvl="1"/>
+            <a:r>
+              <a:rPr lang="en-US" dirty="0"/>
+              <a:t>Implement functionFromImage3D (Filtering, </a:t>
+            </a:r>
+            <a:r>
+              <a:rPr lang="en-US" dirty="0" err="1"/>
+              <a:t>Tilestyle</a:t>
+            </a:r>
+            <a:r>
+              <a:rPr lang="en-US" dirty="0"/>
+              <a:t>)</a:t>
+            </a:r>
+          </a:p>
+          <a:p>
+            <a:pPr lvl="1"/>
+            <a:r>
+              <a:rPr lang="en-US" dirty="0"/>
+              <a:t>Signed and unsigned Distance to mesh (maybe slow)</a:t>
+            </a:r>
+          </a:p>
+          <a:p>
+            <a:pPr lvl="1"/>
+            <a:endParaRPr lang="en-US" dirty="0"/>
+          </a:p>
+          <a:p>
+            <a:r>
+              <a:rPr lang="en-US" dirty="0"/>
+              <a:t>Converter from implicit to volumetric (image3d)</a:t>
+            </a:r>
+          </a:p>
+          <a:p>
+            <a:r>
+              <a:rPr lang="en-US" dirty="0"/>
+              <a:t>Simple Contour Extraction</a:t>
+            </a:r>
+          </a:p>
+          <a:p>
+            <a:endParaRPr lang="en-US" dirty="0"/>
+          </a:p>
+        </p:txBody>
+      </p:sp>
+    </p:spTree>
+    <p:extLst>
+      <p:ext uri="{BB962C8B-B14F-4D97-AF65-F5344CB8AC3E}">
+        <p14:creationId xmlns:p14="http://schemas.microsoft.com/office/powerpoint/2010/main" val="1462878362"/>
+      </p:ext>
+    </p:extLst>
+  </p:cSld>
+  <p:clrMapOvr>
+    <a:masterClrMapping/>
+  </p:clrMapOvr>
+</p:sld>
+</file>
+
+<file path=ppt/slides/slide9.xml><?xml version="1.0" encoding="utf-8"?>
+<p:sld xmlns:a="http://schemas.openxmlformats.org/drawingml/2006/main" xmlns:r="http://schemas.openxmlformats.org/officeDocument/2006/relationships" xmlns:p="http://schemas.openxmlformats.org/presentationml/2006/main">
+  <p:cSld>
+    <p:spTree>
+      <p:nvGrpSpPr>
+        <p:cNvPr id="1" name=""/>
+        <p:cNvGrpSpPr/>
+        <p:nvPr/>
+      </p:nvGrpSpPr>
+      <p:grpSpPr>
+        <a:xfrm>
+          <a:off x="0" y="0"/>
+          <a:ext cx="0" cy="0"/>
+          <a:chOff x="0" y="0"/>
+          <a:chExt cx="0" cy="0"/>
+        </a:xfrm>
+      </p:grpSpPr>
+      <p:sp>
+        <p:nvSpPr>
+          <p:cNvPr id="2" name="Title 1">
+            <a:extLst>
+              <a:ext uri="{FF2B5EF4-FFF2-40B4-BE49-F238E27FC236}">
+                <a16:creationId xmlns:a16="http://schemas.microsoft.com/office/drawing/2014/main" id="{6E3012C8-9CA3-7EC9-D097-EFE54E102A59}"/>
+              </a:ext>
+            </a:extLst>
+          </p:cNvPr>
+          <p:cNvSpPr>
+            <a:spLocks noGrp="1"/>
+          </p:cNvSpPr>
+          <p:nvPr>
+            <p:ph type="title"/>
+          </p:nvPr>
+        </p:nvSpPr>
+        <p:spPr/>
+        <p:txBody>
+          <a:bodyPr/>
+          <a:lstStyle/>
+          <a:p>
+            <a:r>
+              <a:rPr lang="en-US" dirty="0"/>
+              <a:t>Next Steps</a:t>
+            </a:r>
+          </a:p>
+        </p:txBody>
+      </p:sp>
+      <p:sp>
+        <p:nvSpPr>
+          <p:cNvPr id="3" name="Content Placeholder 2">
+            <a:extLst>
+              <a:ext uri="{FF2B5EF4-FFF2-40B4-BE49-F238E27FC236}">
+                <a16:creationId xmlns:a16="http://schemas.microsoft.com/office/drawing/2014/main" id="{E6129A53-48E0-6A83-E34B-81B6CFD30B73}"/>
+              </a:ext>
+            </a:extLst>
+          </p:cNvPr>
+          <p:cNvSpPr>
+            <a:spLocks noGrp="1"/>
+          </p:cNvSpPr>
+          <p:nvPr>
+            <p:ph idx="1"/>
+          </p:nvPr>
+        </p:nvSpPr>
+        <p:spPr/>
+        <p:txBody>
+          <a:bodyPr/>
+          <a:lstStyle/>
+          <a:p>
+            <a:r>
+              <a:rPr lang="en-US" dirty="0"/>
+              <a:t>Freeze Schema</a:t>
+            </a:r>
+          </a:p>
+          <a:p>
+            <a:r>
+              <a:rPr lang="en-US" dirty="0"/>
+              <a:t>Polish description</a:t>
+            </a:r>
+          </a:p>
+          <a:p>
+            <a:r>
+              <a:rPr lang="en-US" dirty="0"/>
+              <a:t>Implement reference </a:t>
+            </a:r>
+            <a:r>
+              <a:rPr lang="en-US" dirty="0" err="1"/>
+              <a:t>cpu</a:t>
+            </a:r>
+            <a:r>
+              <a:rPr lang="en-US" dirty="0"/>
+              <a:t> evaluator</a:t>
+            </a:r>
+          </a:p>
+          <a:p>
+            <a:r>
+              <a:rPr lang="en-US" dirty="0" err="1"/>
+              <a:t>Paraview-AddIn</a:t>
+            </a:r>
+            <a:r>
+              <a:rPr lang="en-US" dirty="0"/>
+              <a:t> or </a:t>
+            </a:r>
+            <a:r>
+              <a:rPr lang="en-US" dirty="0" err="1"/>
+              <a:t>openvdb</a:t>
+            </a:r>
+            <a:r>
+              <a:rPr lang="en-US" dirty="0"/>
+              <a:t> export or </a:t>
+            </a:r>
+            <a:r>
+              <a:rPr lang="en-US" dirty="0" err="1"/>
+              <a:t>vtk</a:t>
+            </a:r>
+            <a:r>
+              <a:rPr lang="en-US" dirty="0"/>
+              <a:t> or </a:t>
+            </a:r>
+            <a:r>
+              <a:rPr lang="en-US" dirty="0" err="1"/>
+              <a:t>binvox</a:t>
+            </a:r>
+            <a:r>
+              <a:rPr lang="en-US" dirty="0"/>
+              <a:t> or anything loadable by </a:t>
+            </a:r>
+            <a:r>
+              <a:rPr lang="en-US" dirty="0" err="1"/>
+              <a:t>paraview</a:t>
+            </a:r>
+            <a:endParaRPr lang="en-US" dirty="0"/>
+          </a:p>
+          <a:p>
+            <a:r>
+              <a:rPr lang="en-US" dirty="0"/>
+              <a:t>Provide “Viewer” to </a:t>
+            </a:r>
+            <a:r>
+              <a:rPr lang="en-US" dirty="0" err="1"/>
+              <a:t>QualityLogic</a:t>
+            </a:r>
+            <a:endParaRPr lang="en-US" dirty="0"/>
+          </a:p>
+          <a:p>
+            <a:pPr lvl="1"/>
+            <a:r>
+              <a:rPr lang="en-US" dirty="0"/>
+              <a:t>Simple Examples</a:t>
+            </a:r>
+          </a:p>
+          <a:p>
+            <a:pPr lvl="1"/>
+            <a:endParaRPr lang="en-US" dirty="0"/>
+          </a:p>
+          <a:p>
+            <a:r>
+              <a:rPr lang="en-US" dirty="0"/>
+              <a:t>Release at CDFAM</a:t>
+            </a:r>
+          </a:p>
+        </p:txBody>
+      </p:sp>
+    </p:spTree>
+    <p:extLst>
+      <p:ext uri="{BB962C8B-B14F-4D97-AF65-F5344CB8AC3E}">
+        <p14:creationId xmlns:p14="http://schemas.microsoft.com/office/powerpoint/2010/main" val="2797832898"/>
       </p:ext>
     </p:extLst>
   </p:cSld>
@@ -6910,6 +7250,12 @@
 </file>
 
 <file path=customXml/item1.xml><?xml version="1.0" encoding="utf-8"?>
+<p:properties xmlns:p="http://schemas.microsoft.com/office/2006/metadata/properties" xmlns:xsi="http://www.w3.org/2001/XMLSchema-instance" xmlns:pc="http://schemas.microsoft.com/office/infopath/2007/PartnerControls">
+  <documentManagement/>
+</p:properties>
+</file>
+
+<file path=customXml/item2.xml><?xml version="1.0" encoding="utf-8"?>
 <ct:contentTypeSchema xmlns:ct="http://schemas.microsoft.com/office/2006/metadata/contentType" xmlns:ma="http://schemas.microsoft.com/office/2006/metadata/properties/metaAttributes" ct:_="" ma:_="" ma:contentTypeName="Document" ma:contentTypeID="0x010100CC45EA5AFB5A384FBC5E2C181AEF6C43" ma:contentTypeVersion="3" ma:contentTypeDescription="Create a new document." ma:contentTypeScope="" ma:versionID="bb3dc9e2fe70f7a273574b4a87945376">
   <xsd:schema xmlns:xsd="http://www.w3.org/2001/XMLSchema" xmlns:xs="http://www.w3.org/2001/XMLSchema" xmlns:p="http://schemas.microsoft.com/office/2006/metadata/properties" xmlns:ns2="2e779b9e-d6b3-498e-b0cc-50adafdd3524" targetNamespace="http://schemas.microsoft.com/office/2006/metadata/properties" ma:root="true" ma:fieldsID="1143d112c09e06e8f0f117524dd5e911" ns2:_="">
     <xsd:import namespace="2e779b9e-d6b3-498e-b0cc-50adafdd3524"/>
@@ -7047,12 +7393,6 @@
 </ct:contentTypeSchema>
 </file>
 
-<file path=customXml/item2.xml><?xml version="1.0" encoding="utf-8"?>
-<p:properties xmlns:p="http://schemas.microsoft.com/office/2006/metadata/properties" xmlns:xsi="http://www.w3.org/2001/XMLSchema-instance" xmlns:pc="http://schemas.microsoft.com/office/infopath/2007/PartnerControls">
-  <documentManagement/>
-</p:properties>
-</file>
-
 <file path=customXml/item3.xml><?xml version="1.0" encoding="utf-8"?>
 <?mso-contentType ?>
 <FormTemplates xmlns="http://schemas.microsoft.com/sharepoint/v3/contenttype/forms">
@@ -7063,6 +7403,22 @@
 </file>
 
 <file path=customXml/itemProps1.xml><?xml version="1.0" encoding="utf-8"?>
+<ds:datastoreItem xmlns:ds="http://schemas.openxmlformats.org/officeDocument/2006/customXml" ds:itemID="{E3DE9D61-67F7-489B-9667-1735BD6F07E7}">
+  <ds:schemaRefs>
+    <ds:schemaRef ds:uri="http://purl.org/dc/terms/"/>
+    <ds:schemaRef ds:uri="http://schemas.microsoft.com/office/infopath/2007/PartnerControls"/>
+    <ds:schemaRef ds:uri="http://schemas.microsoft.com/office/2006/metadata/properties"/>
+    <ds:schemaRef ds:uri="http://schemas.microsoft.com/office/2006/documentManagement/types"/>
+    <ds:schemaRef ds:uri="http://purl.org/dc/elements/1.1/"/>
+    <ds:schemaRef ds:uri="http://purl.org/dc/dcmitype/"/>
+    <ds:schemaRef ds:uri="http://schemas.openxmlformats.org/package/2006/metadata/core-properties"/>
+    <ds:schemaRef ds:uri="2e779b9e-d6b3-498e-b0cc-50adafdd3524"/>
+    <ds:schemaRef ds:uri="http://www.w3.org/XML/1998/namespace"/>
+  </ds:schemaRefs>
+</ds:datastoreItem>
+</file>
+
+<file path=customXml/itemProps2.xml><?xml version="1.0" encoding="utf-8"?>
 <ds:datastoreItem xmlns:ds="http://schemas.openxmlformats.org/officeDocument/2006/customXml" ds:itemID="{36234762-82E7-424C-854A-518547F22D60}">
   <ds:schemaRefs>
     <ds:schemaRef ds:uri="2e779b9e-d6b3-498e-b0cc-50adafdd3524"/>
@@ -7080,22 +7436,6 @@
 </ds:datastoreItem>
 </file>
 
-<file path=customXml/itemProps2.xml><?xml version="1.0" encoding="utf-8"?>
-<ds:datastoreItem xmlns:ds="http://schemas.openxmlformats.org/officeDocument/2006/customXml" ds:itemID="{E3DE9D61-67F7-489B-9667-1735BD6F07E7}">
-  <ds:schemaRefs>
-    <ds:schemaRef ds:uri="http://purl.org/dc/terms/"/>
-    <ds:schemaRef ds:uri="http://schemas.microsoft.com/office/infopath/2007/PartnerControls"/>
-    <ds:schemaRef ds:uri="http://schemas.microsoft.com/office/2006/metadata/properties"/>
-    <ds:schemaRef ds:uri="http://schemas.microsoft.com/office/2006/documentManagement/types"/>
-    <ds:schemaRef ds:uri="http://purl.org/dc/elements/1.1/"/>
-    <ds:schemaRef ds:uri="http://purl.org/dc/dcmitype/"/>
-    <ds:schemaRef ds:uri="http://schemas.openxmlformats.org/package/2006/metadata/core-properties"/>
-    <ds:schemaRef ds:uri="2e779b9e-d6b3-498e-b0cc-50adafdd3524"/>
-    <ds:schemaRef ds:uri="http://www.w3.org/XML/1998/namespace"/>
-  </ds:schemaRefs>
-</ds:datastoreItem>
-</file>
-
 <file path=customXml/itemProps3.xml><?xml version="1.0" encoding="utf-8"?>
 <ds:datastoreItem xmlns:ds="http://schemas.openxmlformats.org/officeDocument/2006/customXml" ds:itemID="{B7BE77D2-AFE8-4ED0-9B6A-C2768452CC00}">
   <ds:schemaRefs>
